--- a/Faisal Shehzad SIGIR Conference.pptx
+++ b/Faisal Shehzad SIGIR Conference.pptx
@@ -28,7 +28,7 @@
     <p:sldId id="260" r:id="rId16"/>
   </p:sldIdLst>
   <p:sldSz cx="9144000" cy="6858000" type="screen4x3"/>
-  <p:notesSz cx="7104063" cy="10234613"/>
+  <p:notesSz cx="6797675" cy="9928225"/>
   <p:defaultTextStyle>
     <a:defPPr>
       <a:defRPr lang="de-DE"/>
@@ -229,14 +229,14 @@
         <p:spPr>
           <a:xfrm>
             <a:off x="1" y="0"/>
-            <a:ext cx="3078427" cy="513508"/>
+            <a:ext cx="2945659" cy="498135"/>
           </a:xfrm>
           <a:prstGeom prst="rect">
             <a:avLst/>
           </a:prstGeom>
         </p:spPr>
         <p:txBody>
-          <a:bodyPr vert="horz" lIns="99048" tIns="49524" rIns="99048" bIns="49524" rtlCol="0"/>
+          <a:bodyPr vert="horz" lIns="95542" tIns="47771" rIns="95542" bIns="47771" rtlCol="0"/>
           <a:lstStyle>
             <a:lvl1pPr algn="l">
               <a:defRPr sz="1300"/>
@@ -265,15 +265,15 @@
         </p:nvSpPr>
         <p:spPr>
           <a:xfrm>
-            <a:off x="4023993" y="0"/>
-            <a:ext cx="3078427" cy="513508"/>
+            <a:off x="3850444" y="0"/>
+            <a:ext cx="2945659" cy="498135"/>
           </a:xfrm>
           <a:prstGeom prst="rect">
             <a:avLst/>
           </a:prstGeom>
         </p:spPr>
         <p:txBody>
-          <a:bodyPr vert="horz" lIns="99048" tIns="49524" rIns="99048" bIns="49524" rtlCol="0"/>
+          <a:bodyPr vert="horz" lIns="95542" tIns="47771" rIns="95542" bIns="47771" rtlCol="0"/>
           <a:lstStyle>
             <a:lvl1pPr algn="r">
               <a:defRPr sz="1300"/>
@@ -282,7 +282,7 @@
           <a:p>
             <a:fld id="{4716A09C-9715-4357-B383-7981C1C1C830}" type="datetimeFigureOut">
               <a:rPr lang="de-AT" smtClean="0"/>
-              <a:t>10.06.2025</a:t>
+              <a:t>11.07.2025</a:t>
             </a:fld>
             <a:endParaRPr lang="de-AT"/>
           </a:p>
@@ -306,15 +306,15 @@
         </p:nvSpPr>
         <p:spPr>
           <a:xfrm>
-            <a:off x="1" y="9721110"/>
-            <a:ext cx="3078427" cy="513507"/>
+            <a:off x="1" y="9430095"/>
+            <a:ext cx="2945659" cy="498134"/>
           </a:xfrm>
           <a:prstGeom prst="rect">
             <a:avLst/>
           </a:prstGeom>
         </p:spPr>
         <p:txBody>
-          <a:bodyPr vert="horz" lIns="99048" tIns="49524" rIns="99048" bIns="49524" rtlCol="0" anchor="b"/>
+          <a:bodyPr vert="horz" lIns="95542" tIns="47771" rIns="95542" bIns="47771" rtlCol="0" anchor="b"/>
           <a:lstStyle>
             <a:lvl1pPr algn="l">
               <a:defRPr sz="1300"/>
@@ -343,15 +343,15 @@
         </p:nvSpPr>
         <p:spPr>
           <a:xfrm>
-            <a:off x="4023993" y="9721110"/>
-            <a:ext cx="3078427" cy="513507"/>
+            <a:off x="3850444" y="9430095"/>
+            <a:ext cx="2945659" cy="498134"/>
           </a:xfrm>
           <a:prstGeom prst="rect">
             <a:avLst/>
           </a:prstGeom>
         </p:spPr>
         <p:txBody>
-          <a:bodyPr vert="horz" lIns="99048" tIns="49524" rIns="99048" bIns="49524" rtlCol="0" anchor="b"/>
+          <a:bodyPr vert="horz" lIns="95542" tIns="47771" rIns="95542" bIns="47771" rtlCol="0" anchor="b"/>
           <a:lstStyle>
             <a:lvl1pPr algn="r">
               <a:defRPr sz="1300"/>
@@ -412,14 +412,14 @@
         <p:spPr>
           <a:xfrm>
             <a:off x="1" y="0"/>
-            <a:ext cx="3078427" cy="513508"/>
+            <a:ext cx="2945659" cy="498135"/>
           </a:xfrm>
           <a:prstGeom prst="rect">
             <a:avLst/>
           </a:prstGeom>
         </p:spPr>
         <p:txBody>
-          <a:bodyPr vert="horz" lIns="99048" tIns="49524" rIns="99048" bIns="49524" rtlCol="0"/>
+          <a:bodyPr vert="horz" lIns="95542" tIns="47771" rIns="95542" bIns="47771" rtlCol="0"/>
           <a:lstStyle>
             <a:lvl1pPr algn="l">
               <a:defRPr sz="1300"/>
@@ -442,15 +442,15 @@
         </p:nvSpPr>
         <p:spPr>
           <a:xfrm>
-            <a:off x="4023993" y="0"/>
-            <a:ext cx="3078427" cy="513508"/>
+            <a:off x="3850444" y="0"/>
+            <a:ext cx="2945659" cy="498135"/>
           </a:xfrm>
           <a:prstGeom prst="rect">
             <a:avLst/>
           </a:prstGeom>
         </p:spPr>
         <p:txBody>
-          <a:bodyPr vert="horz" lIns="99048" tIns="49524" rIns="99048" bIns="49524" rtlCol="0"/>
+          <a:bodyPr vert="horz" lIns="95542" tIns="47771" rIns="95542" bIns="47771" rtlCol="0"/>
           <a:lstStyle>
             <a:lvl1pPr algn="r">
               <a:defRPr sz="1300"/>
@@ -459,7 +459,7 @@
           <a:p>
             <a:fld id="{AD7EBAE6-3B65-4DEA-8A89-31EB207EBF4E}" type="datetimeFigureOut">
               <a:rPr lang="de-AT" smtClean="0"/>
-              <a:t>10.06.2025</a:t>
+              <a:t>10.07.2025</a:t>
             </a:fld>
             <a:endParaRPr lang="de-AT"/>
           </a:p>
@@ -477,8 +477,8 @@
         </p:nvSpPr>
         <p:spPr>
           <a:xfrm>
-            <a:off x="1249363" y="1279525"/>
-            <a:ext cx="4605337" cy="3454400"/>
+            <a:off x="1165225" y="1241425"/>
+            <a:ext cx="4467225" cy="3351213"/>
           </a:xfrm>
           <a:prstGeom prst="rect">
             <a:avLst/>
@@ -491,7 +491,7 @@
           </a:ln>
         </p:spPr>
         <p:txBody>
-          <a:bodyPr vert="horz" lIns="99048" tIns="49524" rIns="99048" bIns="49524" rtlCol="0" anchor="ctr"/>
+          <a:bodyPr vert="horz" lIns="95542" tIns="47771" rIns="95542" bIns="47771" rtlCol="0" anchor="ctr"/>
           <a:lstStyle/>
           <a:p>
             <a:endParaRPr lang="de-AT"/>
@@ -510,15 +510,15 @@
         </p:nvSpPr>
         <p:spPr>
           <a:xfrm>
-            <a:off x="710407" y="4925410"/>
-            <a:ext cx="5683250" cy="4029879"/>
+            <a:off x="679768" y="4777961"/>
+            <a:ext cx="5438140" cy="3909239"/>
           </a:xfrm>
           <a:prstGeom prst="rect">
             <a:avLst/>
           </a:prstGeom>
         </p:spPr>
         <p:txBody>
-          <a:bodyPr vert="horz" lIns="99048" tIns="49524" rIns="99048" bIns="49524" rtlCol="0"/>
+          <a:bodyPr vert="horz" lIns="95542" tIns="47771" rIns="95542" bIns="47771" rtlCol="0"/>
           <a:lstStyle/>
           <a:p>
             <a:pPr lvl="0"/>
@@ -570,15 +570,15 @@
         </p:nvSpPr>
         <p:spPr>
           <a:xfrm>
-            <a:off x="1" y="9721110"/>
-            <a:ext cx="3078427" cy="513507"/>
+            <a:off x="1" y="9430095"/>
+            <a:ext cx="2945659" cy="498134"/>
           </a:xfrm>
           <a:prstGeom prst="rect">
             <a:avLst/>
           </a:prstGeom>
         </p:spPr>
         <p:txBody>
-          <a:bodyPr vert="horz" lIns="99048" tIns="49524" rIns="99048" bIns="49524" rtlCol="0" anchor="b"/>
+          <a:bodyPr vert="horz" lIns="95542" tIns="47771" rIns="95542" bIns="47771" rtlCol="0" anchor="b"/>
           <a:lstStyle>
             <a:lvl1pPr algn="l">
               <a:defRPr sz="1300"/>
@@ -601,15 +601,15 @@
         </p:nvSpPr>
         <p:spPr>
           <a:xfrm>
-            <a:off x="4023993" y="9721110"/>
-            <a:ext cx="3078427" cy="513507"/>
+            <a:off x="3850444" y="9430095"/>
+            <a:ext cx="2945659" cy="498134"/>
           </a:xfrm>
           <a:prstGeom prst="rect">
             <a:avLst/>
           </a:prstGeom>
         </p:spPr>
         <p:txBody>
-          <a:bodyPr vert="horz" lIns="99048" tIns="49524" rIns="99048" bIns="49524" rtlCol="0" anchor="b"/>
+          <a:bodyPr vert="horz" lIns="95542" tIns="47771" rIns="95542" bIns="47771" rtlCol="0" anchor="b"/>
           <a:lstStyle>
             <a:lvl1pPr algn="r">
               <a:defRPr sz="1300"/>
@@ -864,7 +864,7 @@
           <a:bodyPr/>
           <a:lstStyle/>
           <a:p>
-            <a:endParaRPr lang="en-US" sz="1800" b="0" i="0" u="none" strike="noStrike" baseline="0" dirty="0">
+            <a:endParaRPr lang="en-US" sz="1700" dirty="0">
               <a:latin typeface="Times New Roman" panose="02020603050405020304" pitchFamily="18" charset="0"/>
             </a:endParaRPr>
           </a:p>
@@ -1286,7 +1286,7 @@
           <a:bodyPr/>
           <a:lstStyle/>
           <a:p>
-            <a:endParaRPr lang="en-US" sz="1800" b="0" i="0" u="none" strike="noStrike" baseline="0" dirty="0">
+            <a:endParaRPr lang="en-US" sz="1700" dirty="0">
               <a:latin typeface="Times New Roman" panose="02020603050405020304" pitchFamily="18" charset="0"/>
             </a:endParaRPr>
           </a:p>
@@ -1372,7 +1372,7 @@
           <a:bodyPr/>
           <a:lstStyle/>
           <a:p>
-            <a:endParaRPr lang="en-US" sz="1800" b="0" i="0" u="none" strike="noStrike" baseline="0" dirty="0">
+            <a:endParaRPr lang="en-US" sz="1700" dirty="0">
               <a:latin typeface="Times New Roman" panose="02020603050405020304" pitchFamily="18" charset="0"/>
             </a:endParaRPr>
           </a:p>
@@ -1458,7 +1458,7 @@
           <a:bodyPr/>
           <a:lstStyle/>
           <a:p>
-            <a:endParaRPr lang="en-US" sz="1800" b="0" i="0" u="none" strike="noStrike" baseline="0" dirty="0">
+            <a:endParaRPr lang="en-US" sz="1700" dirty="0">
               <a:latin typeface="Times New Roman" panose="02020603050405020304" pitchFamily="18" charset="0"/>
             </a:endParaRPr>
           </a:p>
@@ -1544,7 +1544,7 @@
           <a:bodyPr/>
           <a:lstStyle/>
           <a:p>
-            <a:endParaRPr lang="en-US" sz="1800" b="0" i="0" u="none" strike="noStrike" baseline="0" dirty="0">
+            <a:endParaRPr lang="en-US" sz="1700" dirty="0">
               <a:latin typeface="Times New Roman" panose="02020603050405020304" pitchFamily="18" charset="0"/>
             </a:endParaRPr>
           </a:p>
@@ -1630,7 +1630,7 @@
           <a:bodyPr/>
           <a:lstStyle/>
           <a:p>
-            <a:endParaRPr lang="en-US" sz="1800" b="0" i="0" u="none" strike="noStrike" baseline="0" dirty="0">
+            <a:endParaRPr lang="en-US" sz="1700" dirty="0">
               <a:latin typeface="Times New Roman" panose="02020603050405020304" pitchFamily="18" charset="0"/>
             </a:endParaRPr>
           </a:p>
@@ -19878,7 +19878,7 @@
                 <a:latin typeface="Candara" panose="020E0502030303020204" pitchFamily="34" charset="0"/>
                 <a:cs typeface="Times New Roman" panose="02020603050405020304" pitchFamily="18" charset="0"/>
               </a:rPr>
-              <a:t>8</a:t>
+              <a:t>9</a:t>
             </a:r>
           </a:p>
         </p:txBody>
@@ -20112,7 +20112,7 @@
                 <a:latin typeface="Candara" panose="020E0502030303020204" pitchFamily="34" charset="0"/>
                 <a:cs typeface="Times New Roman" panose="02020603050405020304" pitchFamily="18" charset="0"/>
               </a:rPr>
-              <a:t>9</a:t>
+              <a:t>10</a:t>
             </a:r>
           </a:p>
         </p:txBody>
@@ -20767,7 +20767,7 @@
                 <a:latin typeface="Candara" panose="020E0502030303020204" pitchFamily="34" charset="0"/>
                 <a:cs typeface="Times New Roman" panose="02020603050405020304" pitchFamily="18" charset="0"/>
               </a:rPr>
-              <a:t>10</a:t>
+              <a:t>11</a:t>
             </a:r>
           </a:p>
         </p:txBody>
@@ -22448,7 +22448,7 @@
               <a:rPr lang="en-US" sz="1400" dirty="0" err="1">
                 <a:latin typeface="Candara" panose="020E0502030303020204" pitchFamily="34" charset="0"/>
               </a:rPr>
-              <a:t>itemKNN</a:t>
+              <a:t>ItemKNN</a:t>
             </a:r>
             <a:endParaRPr lang="en-US" sz="1400" dirty="0">
               <a:latin typeface="Candara" panose="020E0502030303020204" pitchFamily="34" charset="0"/>
@@ -22884,7 +22884,7 @@
               <a:rPr lang="en-US" sz="1600" dirty="0">
                 <a:latin typeface="Candara" panose="020E0502030303020204" pitchFamily="34" charset="0"/>
               </a:rPr>
-              <a:t>Reproducibility packages with reproducible results: 2 out of 13 (~15%)</a:t>
+              <a:t>Reproducibility packages with reproducible results: 3 out of 13 (~23%)</a:t>
             </a:r>
           </a:p>
           <a:p>
@@ -23322,7 +23322,7 @@
           <p:nvPr>
             <p:extLst>
               <p:ext uri="{D42A27DB-BD31-4B8C-83A1-F6EECF244321}">
-                <p14:modId xmlns:p14="http://schemas.microsoft.com/office/powerpoint/2010/main" val="748457732"/>
+                <p14:modId xmlns:p14="http://schemas.microsoft.com/office/powerpoint/2010/main" val="2649119028"/>
               </p:ext>
             </p:extLst>
           </p:nvPr>
@@ -23562,7 +23562,7 @@
                     <a:bodyPr/>
                     <a:lstStyle/>
                     <a:p>
-                      <a:pPr marL="0" algn="ctr" defTabSz="914400" rtl="0" eaLnBrk="1" latinLnBrk="0" hangingPunct="1"/>
+                      <a:pPr algn="ctr"/>
                       <a:r>
                         <a:rPr lang="en-US" sz="1200" kern="1200" dirty="0">
                           <a:solidFill>
@@ -23573,15 +23573,11 @@
                           <a:cs typeface="+mn-cs"/>
                           <a:sym typeface="Wingdings 2" panose="05020102010507070707" pitchFamily="18" charset="2"/>
                         </a:rPr>
-                        <a:t></a:t>
+                        <a:t></a:t>
                       </a:r>
-                      <a:endParaRPr lang="en-US" sz="1200" kern="1200" dirty="0">
-                        <a:solidFill>
-                          <a:schemeClr val="tx1"/>
-                        </a:solidFill>
+                      <a:endParaRPr lang="en-US" sz="1200" dirty="0">
                         <a:latin typeface="Candara" panose="020E0502030303020204" pitchFamily="34" charset="0"/>
                         <a:ea typeface="Cambria Math" panose="02040503050406030204" pitchFamily="18" charset="0"/>
-                        <a:cs typeface="+mn-cs"/>
                       </a:endParaRPr>
                     </a:p>
                   </a:txBody>
@@ -24211,7 +24207,7 @@
                 <a:latin typeface="Candara" panose="020E0502030303020204" pitchFamily="34" charset="0"/>
                 <a:cs typeface="Times New Roman" panose="02020603050405020304" pitchFamily="18" charset="0"/>
               </a:rPr>
-              <a:t>6</a:t>
+              <a:t>7</a:t>
             </a:r>
           </a:p>
         </p:txBody>
@@ -24609,7 +24605,7 @@
                 <a:latin typeface="Candara" panose="020E0502030303020204" pitchFamily="34" charset="0"/>
                 <a:cs typeface="Times New Roman" panose="02020603050405020304" pitchFamily="18" charset="0"/>
               </a:rPr>
-              <a:t>7</a:t>
+              <a:t>8</a:t>
             </a:r>
           </a:p>
         </p:txBody>
